--- a/website/static/img/suspicious_replica_recoverer_diagram.pptx
+++ b/website/static/img/suspicious_replica_recoverer_diagram.pptx
@@ -22803,8 +22803,8 @@
         </p:nvSpPr>
         <p:spPr>
           <a:xfrm>
-            <a:off x="5421787" y="1913848"/>
-            <a:ext cx="1278427" cy="863352"/>
+            <a:off x="5359775" y="1850775"/>
+            <a:ext cx="1340450" cy="1123850"/>
           </a:xfrm>
           <a:prstGeom prst="flowChartDecision">
             <a:avLst/>
@@ -23076,8 +23076,8 @@
         </p:nvSpPr>
         <p:spPr>
           <a:xfrm>
-            <a:off x="4534816" y="2420093"/>
-            <a:ext cx="1047689" cy="930356"/>
+            <a:off x="4548875" y="2445175"/>
+            <a:ext cx="1117500" cy="945450"/>
           </a:xfrm>
           <a:prstGeom prst="flowChartDecision">
             <a:avLst/>
@@ -23134,8 +23134,8 @@
         </p:nvSpPr>
         <p:spPr>
           <a:xfrm>
-            <a:off x="3557960" y="1880362"/>
-            <a:ext cx="1191573" cy="930356"/>
+            <a:off x="3557949" y="1880350"/>
+            <a:ext cx="1340450" cy="930375"/>
           </a:xfrm>
           <a:prstGeom prst="flowChartDecision">
             <a:avLst/>
@@ -23192,8 +23192,8 @@
         </p:nvSpPr>
         <p:spPr>
           <a:xfrm>
-            <a:off x="4534816" y="1307977"/>
-            <a:ext cx="1047689" cy="930356"/>
+            <a:off x="4528226" y="1288238"/>
+            <a:ext cx="1158800" cy="930350"/>
           </a:xfrm>
           <a:prstGeom prst="flowChartDecision">
             <a:avLst/>
@@ -23310,7 +23310,7 @@
         </p:nvSpPr>
         <p:spPr>
           <a:xfrm>
-            <a:off x="6973707" y="1009227"/>
+            <a:off x="7003557" y="1058252"/>
             <a:ext cx="1234200" cy="462600"/>
           </a:xfrm>
           <a:prstGeom prst="roundRect">
@@ -23430,7 +23430,7 @@
         </p:nvSpPr>
         <p:spPr>
           <a:xfrm>
-            <a:off x="6973698" y="3121223"/>
+            <a:off x="7003548" y="3170248"/>
             <a:ext cx="1234200" cy="462600"/>
           </a:xfrm>
           <a:prstGeom prst="roundRect">
@@ -23490,7 +23490,7 @@
         </p:nvSpPr>
         <p:spPr>
           <a:xfrm>
-            <a:off x="6922521" y="2006974"/>
+            <a:off x="6952371" y="2055999"/>
             <a:ext cx="1340444" cy="668048"/>
           </a:xfrm>
           <a:prstGeom prst="flowChartDecision">
@@ -23550,7 +23550,7 @@
         </p:nvCxnSpPr>
         <p:spPr>
           <a:xfrm>
-            <a:off x="3390560" y="2345540"/>
+            <a:off x="3390549" y="2345538"/>
             <a:ext cx="167400" cy="0"/>
           </a:xfrm>
           <a:prstGeom prst="straightConnector1">
@@ -23610,8 +23610,8 @@
         </p:nvCxnSpPr>
         <p:spPr>
           <a:xfrm rot="-5400000">
-            <a:off x="4290697" y="1636312"/>
-            <a:ext cx="107100" cy="381000"/>
+            <a:off x="4314724" y="1666900"/>
+            <a:ext cx="126900" cy="300000"/>
           </a:xfrm>
           <a:prstGeom prst="bentConnector2">
             <a:avLst/>
@@ -23639,8 +23639,8 @@
         </p:nvCxnSpPr>
         <p:spPr>
           <a:xfrm flipH="1" rot="-5400000">
-            <a:off x="4306897" y="2657568"/>
-            <a:ext cx="74700" cy="381000"/>
+            <a:off x="4334974" y="2703925"/>
+            <a:ext cx="107100" cy="320700"/>
           </a:xfrm>
           <a:prstGeom prst="bentConnector2">
             <a:avLst/>
@@ -23668,8 +23668,8 @@
         </p:nvCxnSpPr>
         <p:spPr>
           <a:xfrm rot="5400000">
-            <a:off x="4467961" y="2859950"/>
-            <a:ext cx="100200" cy="1081200"/>
+            <a:off x="4512575" y="2855575"/>
+            <a:ext cx="60000" cy="1130100"/>
           </a:xfrm>
           <a:prstGeom prst="bentConnector2">
             <a:avLst/>
@@ -23697,12 +23697,12 @@
         </p:nvCxnSpPr>
         <p:spPr>
           <a:xfrm flipH="1" rot="10800000">
-            <a:off x="6700214" y="2341024"/>
-            <a:ext cx="222300" cy="4500"/>
+            <a:off x="6700225" y="2389900"/>
+            <a:ext cx="252000" cy="22800"/>
           </a:xfrm>
           <a:prstGeom prst="bentConnector3">
             <a:avLst>
-              <a:gd fmla="val 50008" name="adj1"/>
+              <a:gd fmla="val 50029" name="adj1"/>
             </a:avLst>
           </a:prstGeom>
           <a:noFill/>
@@ -23728,12 +23728,12 @@
         </p:nvCxnSpPr>
         <p:spPr>
           <a:xfrm rot="5400000">
-            <a:off x="4258300" y="1879299"/>
-            <a:ext cx="904800" cy="2700600"/>
+            <a:off x="4341450" y="1993475"/>
+            <a:ext cx="707400" cy="2669700"/>
           </a:xfrm>
           <a:prstGeom prst="bentConnector3">
             <a:avLst>
-              <a:gd fmla="val 117686" name="adj1"/>
+              <a:gd fmla="val 133653" name="adj1"/>
             </a:avLst>
           </a:prstGeom>
           <a:noFill/>
@@ -23759,8 +23759,8 @@
         </p:nvCxnSpPr>
         <p:spPr>
           <a:xfrm flipH="1" rot="5400000">
-            <a:off x="4484311" y="733627"/>
-            <a:ext cx="67500" cy="1081200"/>
+            <a:off x="4518726" y="699338"/>
+            <a:ext cx="47700" cy="1130100"/>
           </a:xfrm>
           <a:prstGeom prst="bentConnector2">
             <a:avLst/>
@@ -23788,7 +23788,7 @@
         </p:nvCxnSpPr>
         <p:spPr>
           <a:xfrm flipH="1" rot="5400000">
-            <a:off x="7324243" y="1738474"/>
+            <a:off x="7354093" y="1787499"/>
             <a:ext cx="535200" cy="1800"/>
           </a:xfrm>
           <a:prstGeom prst="bentConnector3">
@@ -23819,7 +23819,7 @@
         </p:nvCxnSpPr>
         <p:spPr>
           <a:xfrm rot="5400000">
-            <a:off x="7368793" y="2897172"/>
+            <a:off x="7398643" y="2946197"/>
             <a:ext cx="446100" cy="1800"/>
           </a:xfrm>
           <a:prstGeom prst="bentConnector3">
@@ -23850,8 +23850,8 @@
         </p:nvCxnSpPr>
         <p:spPr>
           <a:xfrm rot="5400000">
-            <a:off x="4513098" y="1065623"/>
-            <a:ext cx="559500" cy="5595900"/>
+            <a:off x="4552698" y="1075198"/>
+            <a:ext cx="510300" cy="5625600"/>
           </a:xfrm>
           <a:prstGeom prst="bentConnector2">
             <a:avLst/>
@@ -24377,7 +24377,7 @@
         </p:nvSpPr>
         <p:spPr>
           <a:xfrm>
-            <a:off x="7522052" y="2729230"/>
+            <a:off x="7551902" y="2778255"/>
             <a:ext cx="381300" cy="245400"/>
           </a:xfrm>
           <a:prstGeom prst="rect">
@@ -24606,7 +24606,7 @@
         </p:nvSpPr>
         <p:spPr>
           <a:xfrm>
-            <a:off x="7522052" y="1650531"/>
+            <a:off x="7551902" y="1699556"/>
             <a:ext cx="381300" cy="245400"/>
           </a:xfrm>
           <a:prstGeom prst="rect">
@@ -24656,7 +24656,7 @@
         </p:nvSpPr>
         <p:spPr>
           <a:xfrm>
-            <a:off x="5579995" y="1578993"/>
+            <a:off x="5667820" y="1527905"/>
             <a:ext cx="381300" cy="245400"/>
           </a:xfrm>
           <a:prstGeom prst="rect">
@@ -24706,7 +24706,7 @@
         </p:nvSpPr>
         <p:spPr>
           <a:xfrm>
-            <a:off x="5994466" y="2761254"/>
+            <a:off x="5976041" y="2892304"/>
             <a:ext cx="381300" cy="245400"/>
           </a:xfrm>
           <a:prstGeom prst="rect">
@@ -24759,8 +24759,8 @@
         </p:nvCxnSpPr>
         <p:spPr>
           <a:xfrm>
-            <a:off x="5582506" y="1773155"/>
-            <a:ext cx="478500" cy="140700"/>
+            <a:off x="5687026" y="1753413"/>
+            <a:ext cx="342900" cy="97500"/>
           </a:xfrm>
           <a:prstGeom prst="bentConnector2">
             <a:avLst/>
@@ -24788,8 +24788,8 @@
         </p:nvCxnSpPr>
         <p:spPr>
           <a:xfrm rot="10800000">
-            <a:off x="5058661" y="2238293"/>
-            <a:ext cx="0" cy="181800"/>
+            <a:off x="5107625" y="2218675"/>
+            <a:ext cx="0" cy="226500"/>
           </a:xfrm>
           <a:prstGeom prst="straightConnector1">
             <a:avLst/>
@@ -24814,7 +24814,7 @@
         </p:nvSpPr>
         <p:spPr>
           <a:xfrm>
-            <a:off x="4965770" y="2193218"/>
+            <a:off x="5049582" y="2222343"/>
             <a:ext cx="381300" cy="245400"/>
           </a:xfrm>
           <a:prstGeom prst="rect">
@@ -24865,9 +24865,9 @@
 </file>
 
 <file path=ppt/theme/theme1.xml><?xml version="1.0" encoding="utf-8"?>
-<a:theme xmlns:a="http://schemas.openxmlformats.org/drawingml/2006/main" xmlns:r="http://schemas.openxmlformats.org/officeDocument/2006/relationships" name="Simple Light">
+<a:theme xmlns:a="http://schemas.openxmlformats.org/drawingml/2006/main" xmlns:r="http://schemas.openxmlformats.org/officeDocument/2006/relationships">
   <a:themeElements>
-    <a:clrScheme name="Simple Light">
+    <a:clrScheme name="Default">
       <a:dk1>
         <a:srgbClr val="000000"/>
       </a:dk1>
@@ -24875,34 +24875,34 @@
         <a:srgbClr val="FFFFFF"/>
       </a:lt1>
       <a:dk2>
-        <a:srgbClr val="595959"/>
+        <a:srgbClr val="158158"/>
       </a:dk2>
       <a:lt2>
-        <a:srgbClr val="EEEEEE"/>
+        <a:srgbClr val="F3F3F3"/>
       </a:lt2>
       <a:accent1>
-        <a:srgbClr val="4285F4"/>
+        <a:srgbClr val="058DC7"/>
       </a:accent1>
       <a:accent2>
-        <a:srgbClr val="212121"/>
+        <a:srgbClr val="50B432"/>
       </a:accent2>
       <a:accent3>
-        <a:srgbClr val="78909C"/>
+        <a:srgbClr val="ED561B"/>
       </a:accent3>
       <a:accent4>
-        <a:srgbClr val="FFAB40"/>
+        <a:srgbClr val="EDEF00"/>
       </a:accent4>
       <a:accent5>
-        <a:srgbClr val="0097A7"/>
+        <a:srgbClr val="24CBE5"/>
       </a:accent5>
       <a:accent6>
-        <a:srgbClr val="EEFF41"/>
+        <a:srgbClr val="64E572"/>
       </a:accent6>
       <a:hlink>
-        <a:srgbClr val="0097A7"/>
+        <a:srgbClr val="2200CC"/>
       </a:hlink>
       <a:folHlink>
-        <a:srgbClr val="0097A7"/>
+        <a:srgbClr val="551A8B"/>
       </a:folHlink>
     </a:clrScheme>
     <a:fontScheme name="Office">
@@ -25144,9 +25144,9 @@
 </file>
 
 <file path=ppt/theme/theme2.xml><?xml version="1.0" encoding="utf-8"?>
-<a:theme xmlns:a="http://schemas.openxmlformats.org/drawingml/2006/main" xmlns:r="http://schemas.openxmlformats.org/officeDocument/2006/relationships">
+<a:theme xmlns:a="http://schemas.openxmlformats.org/drawingml/2006/main" xmlns:r="http://schemas.openxmlformats.org/officeDocument/2006/relationships" name="Simple Light">
   <a:themeElements>
-    <a:clrScheme name="Default">
+    <a:clrScheme name="Simple Light">
       <a:dk1>
         <a:srgbClr val="000000"/>
       </a:dk1>
@@ -25154,34 +25154,34 @@
         <a:srgbClr val="FFFFFF"/>
       </a:lt1>
       <a:dk2>
-        <a:srgbClr val="158158"/>
+        <a:srgbClr val="595959"/>
       </a:dk2>
       <a:lt2>
-        <a:srgbClr val="F3F3F3"/>
+        <a:srgbClr val="EEEEEE"/>
       </a:lt2>
       <a:accent1>
-        <a:srgbClr val="058DC7"/>
+        <a:srgbClr val="4285F4"/>
       </a:accent1>
       <a:accent2>
-        <a:srgbClr val="50B432"/>
+        <a:srgbClr val="212121"/>
       </a:accent2>
       <a:accent3>
-        <a:srgbClr val="ED561B"/>
+        <a:srgbClr val="78909C"/>
       </a:accent3>
       <a:accent4>
-        <a:srgbClr val="EDEF00"/>
+        <a:srgbClr val="FFAB40"/>
       </a:accent4>
       <a:accent5>
-        <a:srgbClr val="24CBE5"/>
+        <a:srgbClr val="0097A7"/>
       </a:accent5>
       <a:accent6>
-        <a:srgbClr val="64E572"/>
+        <a:srgbClr val="EEFF41"/>
       </a:accent6>
       <a:hlink>
-        <a:srgbClr val="2200CC"/>
+        <a:srgbClr val="0097A7"/>
       </a:hlink>
       <a:folHlink>
-        <a:srgbClr val="551A8B"/>
+        <a:srgbClr val="0097A7"/>
       </a:folHlink>
     </a:clrScheme>
     <a:fontScheme name="Office">
